--- a/Thứ 5.pptx
+++ b/Thứ 5.pptx
@@ -130,7 +130,7 @@
   </p:defaultTextStyle>
   <p:extLst>
     <p:ext uri="{EFAFB233-063F-42B5-8137-9DF3F51BA10A}">
-      <p15:sldGuideLst xmlns:p15="http://schemas.microsoft.com/office/powerpoint/2012/main">
+      <p15:sldGuideLst xmlns:p15="http://schemas.microsoft.com/office/powerpoint/2012/main" xmlns="">
         <p15:guide id="1" orient="horz" pos="2160">
           <p15:clr>
             <a:srgbClr val="A4A3A4"/>
@@ -230,7 +230,7 @@
             <a:fld id="{5C25985F-86E8-4AA6-9352-571FAE95264D}" type="datetimeFigureOut">
               <a:rPr lang="vi-VN" smtClean="0"/>
               <a:pPr/>
-              <a:t>21/04/2021</a:t>
+              <a:t>22/04/2021</a:t>
             </a:fld>
             <a:endParaRPr lang="vi-VN"/>
           </a:p>
@@ -631,7 +631,7 @@
             <a:fld id="{0569F2D7-2394-463B-99AA-3447397976B2}" type="datetimeFigureOut">
               <a:rPr lang="vi-VN" smtClean="0"/>
               <a:pPr/>
-              <a:t>21/04/2021</a:t>
+              <a:t>22/04/2021</a:t>
             </a:fld>
             <a:endParaRPr lang="vi-VN"/>
           </a:p>
@@ -803,7 +803,7 @@
             <a:fld id="{0569F2D7-2394-463B-99AA-3447397976B2}" type="datetimeFigureOut">
               <a:rPr lang="vi-VN" smtClean="0"/>
               <a:pPr/>
-              <a:t>21/04/2021</a:t>
+              <a:t>22/04/2021</a:t>
             </a:fld>
             <a:endParaRPr lang="vi-VN"/>
           </a:p>
@@ -985,7 +985,7 @@
             <a:fld id="{0569F2D7-2394-463B-99AA-3447397976B2}" type="datetimeFigureOut">
               <a:rPr lang="vi-VN" smtClean="0"/>
               <a:pPr/>
-              <a:t>21/04/2021</a:t>
+              <a:t>22/04/2021</a:t>
             </a:fld>
             <a:endParaRPr lang="vi-VN"/>
           </a:p>
@@ -1157,7 +1157,7 @@
             <a:fld id="{0569F2D7-2394-463B-99AA-3447397976B2}" type="datetimeFigureOut">
               <a:rPr lang="vi-VN" smtClean="0"/>
               <a:pPr/>
-              <a:t>21/04/2021</a:t>
+              <a:t>22/04/2021</a:t>
             </a:fld>
             <a:endParaRPr lang="vi-VN"/>
           </a:p>
@@ -1403,7 +1403,7 @@
             <a:fld id="{0569F2D7-2394-463B-99AA-3447397976B2}" type="datetimeFigureOut">
               <a:rPr lang="vi-VN" smtClean="0"/>
               <a:pPr/>
-              <a:t>21/04/2021</a:t>
+              <a:t>22/04/2021</a:t>
             </a:fld>
             <a:endParaRPr lang="vi-VN"/>
           </a:p>
@@ -1637,7 +1637,7 @@
             <a:fld id="{0569F2D7-2394-463B-99AA-3447397976B2}" type="datetimeFigureOut">
               <a:rPr lang="vi-VN" smtClean="0"/>
               <a:pPr/>
-              <a:t>21/04/2021</a:t>
+              <a:t>22/04/2021</a:t>
             </a:fld>
             <a:endParaRPr lang="vi-VN"/>
           </a:p>
@@ -2006,7 +2006,7 @@
             <a:fld id="{0569F2D7-2394-463B-99AA-3447397976B2}" type="datetimeFigureOut">
               <a:rPr lang="vi-VN" smtClean="0"/>
               <a:pPr/>
-              <a:t>21/04/2021</a:t>
+              <a:t>22/04/2021</a:t>
             </a:fld>
             <a:endParaRPr lang="vi-VN"/>
           </a:p>
@@ -2126,7 +2126,7 @@
             <a:fld id="{0569F2D7-2394-463B-99AA-3447397976B2}" type="datetimeFigureOut">
               <a:rPr lang="vi-VN" smtClean="0"/>
               <a:pPr/>
-              <a:t>21/04/2021</a:t>
+              <a:t>22/04/2021</a:t>
             </a:fld>
             <a:endParaRPr lang="vi-VN"/>
           </a:p>
@@ -2223,7 +2223,7 @@
             <a:fld id="{0569F2D7-2394-463B-99AA-3447397976B2}" type="datetimeFigureOut">
               <a:rPr lang="vi-VN" smtClean="0"/>
               <a:pPr/>
-              <a:t>21/04/2021</a:t>
+              <a:t>22/04/2021</a:t>
             </a:fld>
             <a:endParaRPr lang="vi-VN"/>
           </a:p>
@@ -2502,7 +2502,7 @@
             <a:fld id="{0569F2D7-2394-463B-99AA-3447397976B2}" type="datetimeFigureOut">
               <a:rPr lang="vi-VN" smtClean="0"/>
               <a:pPr/>
-              <a:t>21/04/2021</a:t>
+              <a:t>22/04/2021</a:t>
             </a:fld>
             <a:endParaRPr lang="vi-VN"/>
           </a:p>
@@ -2761,7 +2761,7 @@
             <a:fld id="{0569F2D7-2394-463B-99AA-3447397976B2}" type="datetimeFigureOut">
               <a:rPr lang="vi-VN" smtClean="0"/>
               <a:pPr/>
-              <a:t>21/04/2021</a:t>
+              <a:t>22/04/2021</a:t>
             </a:fld>
             <a:endParaRPr lang="vi-VN"/>
           </a:p>
@@ -2976,7 +2976,7 @@
             <a:fld id="{0569F2D7-2394-463B-99AA-3447397976B2}" type="datetimeFigureOut">
               <a:rPr lang="vi-VN" smtClean="0"/>
               <a:pPr/>
-              <a:t>21/04/2021</a:t>
+              <a:t>22/04/2021</a:t>
             </a:fld>
             <a:endParaRPr lang="vi-VN"/>
           </a:p>
@@ -6800,7 +6800,7 @@
               <a:t>. </a:t>
             </a:r>
             <a:r>
-              <a:rPr lang="en-US" sz="5400" b="1" dirty="0" err="1">
+              <a:rPr lang="en-US" sz="5400" b="1" err="1">
                 <a:solidFill>
                   <a:schemeClr val="tx1"/>
                 </a:solidFill>
@@ -6810,34 +6810,24 @@
               <a:t>Người</a:t>
             </a:r>
             <a:r>
-              <a:rPr lang="en-US" sz="5400" b="1" dirty="0">
-                <a:solidFill>
-                  <a:schemeClr val="tx1"/>
-                </a:solidFill>
-                <a:latin typeface="Times New Roman" panose="02020603050405020304" pitchFamily="18" charset="0"/>
-                <a:cs typeface="Times New Roman" panose="02020603050405020304" pitchFamily="18" charset="0"/>
-              </a:rPr>
-              <a:t> </a:t>
-            </a:r>
-            <a:r>
-              <a:rPr lang="en-US" sz="5400" b="1" dirty="0" err="1">
-                <a:solidFill>
-                  <a:schemeClr val="tx1"/>
-                </a:solidFill>
-                <a:latin typeface="Times New Roman" panose="02020603050405020304" pitchFamily="18" charset="0"/>
-                <a:cs typeface="Times New Roman" panose="02020603050405020304" pitchFamily="18" charset="0"/>
-              </a:rPr>
-              <a:t>giùa</a:t>
-            </a:r>
-            <a:r>
-              <a:rPr lang="en-US" sz="5400" b="1" dirty="0">
-                <a:solidFill>
-                  <a:schemeClr val="tx1"/>
-                </a:solidFill>
-                <a:latin typeface="Times New Roman" panose="02020603050405020304" pitchFamily="18" charset="0"/>
-                <a:cs typeface="Times New Roman" panose="02020603050405020304" pitchFamily="18" charset="0"/>
-              </a:rPr>
-              <a:t> </a:t>
+              <a:rPr lang="en-US" sz="5400" b="1">
+                <a:solidFill>
+                  <a:schemeClr val="tx1"/>
+                </a:solidFill>
+                <a:latin typeface="Times New Roman" panose="02020603050405020304" pitchFamily="18" charset="0"/>
+                <a:cs typeface="Times New Roman" panose="02020603050405020304" pitchFamily="18" charset="0"/>
+              </a:rPr>
+              <a:t> </a:t>
+            </a:r>
+            <a:r>
+              <a:rPr lang="en-US" sz="5400" b="1" smtClean="0">
+                <a:solidFill>
+                  <a:schemeClr val="tx1"/>
+                </a:solidFill>
+                <a:latin typeface="Times New Roman" panose="02020603050405020304" pitchFamily="18" charset="0"/>
+                <a:cs typeface="Times New Roman" panose="02020603050405020304" pitchFamily="18" charset="0"/>
+              </a:rPr>
+              <a:t>giàu </a:t>
             </a:r>
             <a:r>
               <a:rPr lang="en-US" sz="5400" b="1" dirty="0" err="1">
@@ -8217,7 +8207,7 @@
               <a:t>. </a:t>
             </a:r>
             <a:r>
-              <a:rPr lang="en-US" sz="5400" b="1" dirty="0" err="1">
+              <a:rPr lang="en-US" sz="5400" b="1" err="1">
                 <a:solidFill>
                   <a:schemeClr val="tx1"/>
                 </a:solidFill>
@@ -8227,34 +8217,24 @@
               <a:t>Người</a:t>
             </a:r>
             <a:r>
-              <a:rPr lang="en-US" sz="5400" b="1" dirty="0">
-                <a:solidFill>
-                  <a:schemeClr val="tx1"/>
-                </a:solidFill>
-                <a:latin typeface="Times New Roman" panose="02020603050405020304" pitchFamily="18" charset="0"/>
-                <a:cs typeface="Times New Roman" panose="02020603050405020304" pitchFamily="18" charset="0"/>
-              </a:rPr>
-              <a:t> </a:t>
-            </a:r>
-            <a:r>
-              <a:rPr lang="en-US" sz="5400" b="1" dirty="0" err="1">
-                <a:solidFill>
-                  <a:schemeClr val="tx1"/>
-                </a:solidFill>
-                <a:latin typeface="Times New Roman" panose="02020603050405020304" pitchFamily="18" charset="0"/>
-                <a:cs typeface="Times New Roman" panose="02020603050405020304" pitchFamily="18" charset="0"/>
-              </a:rPr>
-              <a:t>giùa</a:t>
-            </a:r>
-            <a:r>
-              <a:rPr lang="en-US" sz="5400" b="1" dirty="0">
-                <a:solidFill>
-                  <a:schemeClr val="tx1"/>
-                </a:solidFill>
-                <a:latin typeface="Times New Roman" panose="02020603050405020304" pitchFamily="18" charset="0"/>
-                <a:cs typeface="Times New Roman" panose="02020603050405020304" pitchFamily="18" charset="0"/>
-              </a:rPr>
-              <a:t> </a:t>
+              <a:rPr lang="en-US" sz="5400" b="1">
+                <a:solidFill>
+                  <a:schemeClr val="tx1"/>
+                </a:solidFill>
+                <a:latin typeface="Times New Roman" panose="02020603050405020304" pitchFamily="18" charset="0"/>
+                <a:cs typeface="Times New Roman" panose="02020603050405020304" pitchFamily="18" charset="0"/>
+              </a:rPr>
+              <a:t> </a:t>
+            </a:r>
+            <a:r>
+              <a:rPr lang="en-US" sz="5400" b="1" smtClean="0">
+                <a:solidFill>
+                  <a:schemeClr val="tx1"/>
+                </a:solidFill>
+                <a:latin typeface="Times New Roman" panose="02020603050405020304" pitchFamily="18" charset="0"/>
+                <a:cs typeface="Times New Roman" panose="02020603050405020304" pitchFamily="18" charset="0"/>
+              </a:rPr>
+              <a:t>giàu </a:t>
             </a:r>
             <a:r>
               <a:rPr lang="en-US" sz="5400" b="1" dirty="0" err="1">
@@ -9743,7 +9723,7 @@
               <a:t>. </a:t>
             </a:r>
             <a:r>
-              <a:rPr lang="en-US" sz="5400" b="1" dirty="0" err="1">
+              <a:rPr lang="en-US" sz="5400" b="1" err="1">
                 <a:solidFill>
                   <a:schemeClr val="tx1"/>
                 </a:solidFill>
@@ -9753,34 +9733,24 @@
               <a:t>Người</a:t>
             </a:r>
             <a:r>
-              <a:rPr lang="en-US" sz="5400" b="1" dirty="0">
-                <a:solidFill>
-                  <a:schemeClr val="tx1"/>
-                </a:solidFill>
-                <a:latin typeface="Times New Roman" panose="02020603050405020304" pitchFamily="18" charset="0"/>
-                <a:cs typeface="Times New Roman" panose="02020603050405020304" pitchFamily="18" charset="0"/>
-              </a:rPr>
-              <a:t> </a:t>
-            </a:r>
-            <a:r>
-              <a:rPr lang="en-US" sz="5400" b="1" dirty="0" err="1">
-                <a:solidFill>
-                  <a:schemeClr val="tx1"/>
-                </a:solidFill>
-                <a:latin typeface="Times New Roman" panose="02020603050405020304" pitchFamily="18" charset="0"/>
-                <a:cs typeface="Times New Roman" panose="02020603050405020304" pitchFamily="18" charset="0"/>
-              </a:rPr>
-              <a:t>giùa</a:t>
-            </a:r>
-            <a:r>
-              <a:rPr lang="en-US" sz="5400" b="1" dirty="0">
-                <a:solidFill>
-                  <a:schemeClr val="tx1"/>
-                </a:solidFill>
-                <a:latin typeface="Times New Roman" panose="02020603050405020304" pitchFamily="18" charset="0"/>
-                <a:cs typeface="Times New Roman" panose="02020603050405020304" pitchFamily="18" charset="0"/>
-              </a:rPr>
-              <a:t> </a:t>
+              <a:rPr lang="en-US" sz="5400" b="1">
+                <a:solidFill>
+                  <a:schemeClr val="tx1"/>
+                </a:solidFill>
+                <a:latin typeface="Times New Roman" panose="02020603050405020304" pitchFamily="18" charset="0"/>
+                <a:cs typeface="Times New Roman" panose="02020603050405020304" pitchFamily="18" charset="0"/>
+              </a:rPr>
+              <a:t> </a:t>
+            </a:r>
+            <a:r>
+              <a:rPr lang="en-US" sz="5400" b="1" smtClean="0">
+                <a:solidFill>
+                  <a:schemeClr val="tx1"/>
+                </a:solidFill>
+                <a:latin typeface="Times New Roman" panose="02020603050405020304" pitchFamily="18" charset="0"/>
+                <a:cs typeface="Times New Roman" panose="02020603050405020304" pitchFamily="18" charset="0"/>
+              </a:rPr>
+              <a:t>giàu </a:t>
             </a:r>
             <a:r>
               <a:rPr lang="en-US" sz="5400" b="1" dirty="0" err="1">
@@ -10046,7 +10016,7 @@
           <p:cNvPr id="2" name="Title 1">
             <a:extLst>
               <a:ext uri="{FF2B5EF4-FFF2-40B4-BE49-F238E27FC236}">
-                <a16:creationId xmlns:a16="http://schemas.microsoft.com/office/drawing/2014/main" id="{BEB738D2-BD78-4BBF-B0F7-4DEFF08EEF66}"/>
+                <a16:creationId xmlns:a16="http://schemas.microsoft.com/office/drawing/2014/main" xmlns="" id="{BEB738D2-BD78-4BBF-B0F7-4DEFF08EEF66}"/>
               </a:ext>
             </a:extLst>
           </p:cNvPr>
@@ -10071,7 +10041,7 @@
           <p:cNvPr id="3" name="Content Placeholder 2">
             <a:extLst>
               <a:ext uri="{FF2B5EF4-FFF2-40B4-BE49-F238E27FC236}">
-                <a16:creationId xmlns:a16="http://schemas.microsoft.com/office/drawing/2014/main" id="{DBF93935-043D-414B-BE4A-0D8F379B1D8A}"/>
+                <a16:creationId xmlns:a16="http://schemas.microsoft.com/office/drawing/2014/main" xmlns="" id="{DBF93935-043D-414B-BE4A-0D8F379B1D8A}"/>
               </a:ext>
             </a:extLst>
           </p:cNvPr>
@@ -10703,7 +10673,7 @@
           <p:cNvPr id="2" name="Title 1">
             <a:extLst>
               <a:ext uri="{FF2B5EF4-FFF2-40B4-BE49-F238E27FC236}">
-                <a16:creationId xmlns:a16="http://schemas.microsoft.com/office/drawing/2014/main" id="{36406D17-6BBA-4289-872B-3483843B6833}"/>
+                <a16:creationId xmlns:a16="http://schemas.microsoft.com/office/drawing/2014/main" xmlns="" id="{36406D17-6BBA-4289-872B-3483843B6833}"/>
               </a:ext>
             </a:extLst>
           </p:cNvPr>
@@ -10728,7 +10698,7 @@
           <p:cNvPr id="3" name="Content Placeholder 2">
             <a:extLst>
               <a:ext uri="{FF2B5EF4-FFF2-40B4-BE49-F238E27FC236}">
-                <a16:creationId xmlns:a16="http://schemas.microsoft.com/office/drawing/2014/main" id="{C1693604-3977-4881-B828-703F88560D67}"/>
+                <a16:creationId xmlns:a16="http://schemas.microsoft.com/office/drawing/2014/main" xmlns="" id="{C1693604-3977-4881-B828-703F88560D67}"/>
               </a:ext>
             </a:extLst>
           </p:cNvPr>
@@ -12999,7 +12969,7 @@
   <a:themeElements>
     <a:clrScheme name="Office Theme">
       <a:dk1>
-        <a:sysClr val="windowText" lastClr="000000"/>
+        <a:sysClr val="windowText" lastClr="1F1F1F"/>
       </a:dk1>
       <a:lt1>
         <a:sysClr val="window" lastClr="FFFFFF"/>
@@ -13249,7 +13219,7 @@
   <a:extraClrSchemeLst/>
   <a:extLst>
     <a:ext uri="{05A4C25C-085E-4340-85A3-A5531E510DB2}">
-      <thm15:themeFamily xmlns:thm15="http://schemas.microsoft.com/office/thememl/2012/main" name="Office Theme" id="{62F939B6-93AF-4DB8-9C6B-D6C7DFDC589F}" vid="{4A3C46E8-61CC-4603-A589-7422A47A8E4A}"/>
+      <thm15:themeFamily xmlns:thm15="http://schemas.microsoft.com/office/thememl/2012/main" xmlns="" name="Office Theme" id="{62F939B6-93AF-4DB8-9C6B-D6C7DFDC589F}" vid="{4A3C46E8-61CC-4603-A589-7422A47A8E4A}"/>
     </a:ext>
   </a:extLst>
 </a:theme>
@@ -13260,7 +13230,7 @@
   <a:themeElements>
     <a:clrScheme name="Office">
       <a:dk1>
-        <a:sysClr val="windowText" lastClr="000000"/>
+        <a:sysClr val="windowText" lastClr="1F1F1F"/>
       </a:dk1>
       <a:lt1>
         <a:sysClr val="window" lastClr="FFFFFF"/>
@@ -13510,7 +13480,7 @@
   <a:extraClrSchemeLst/>
   <a:extLst>
     <a:ext uri="{05A4C25C-085E-4340-85A3-A5531E510DB2}">
-      <thm15:themeFamily xmlns:thm15="http://schemas.microsoft.com/office/thememl/2012/main" name="Office Theme" id="{62F939B6-93AF-4DB8-9C6B-D6C7DFDC589F}" vid="{4A3C46E8-61CC-4603-A589-7422A47A8E4A}"/>
+      <thm15:themeFamily xmlns:thm15="http://schemas.microsoft.com/office/thememl/2012/main" xmlns="" name="Office Theme" id="{62F939B6-93AF-4DB8-9C6B-D6C7DFDC589F}" vid="{4A3C46E8-61CC-4603-A589-7422A47A8E4A}"/>
     </a:ext>
   </a:extLst>
 </a:theme>
